--- a/AWS DEVICE FARM.pptx
+++ b/AWS DEVICE FARM.pptx
@@ -12,8 +12,7 @@
     <p:sldId id="259" r:id="rId6"/>
     <p:sldId id="264" r:id="rId7"/>
     <p:sldId id="260" r:id="rId8"/>
-    <p:sldId id="261" r:id="rId9"/>
-    <p:sldId id="262" r:id="rId10"/>
+    <p:sldId id="262" r:id="rId9"/>
   </p:sldIdLst>
   <p:sldSz cx="12192000" cy="6858000"/>
   <p:notesSz cx="6858000" cy="9144000"/>
@@ -6289,21 +6288,7 @@
                 <a:latin typeface="Times New Roman" panose="02020603050405020304" pitchFamily="18" charset="0"/>
                 <a:cs typeface="Times New Roman" panose="02020603050405020304" pitchFamily="18" charset="0"/>
               </a:rPr>
-              <a:t>As the tests complete, test report with results, logs, screenshots </a:t>
-            </a:r>
-            <a:r>
-              <a:rPr lang="en-US" sz="2000">
-                <a:latin typeface="Times New Roman" panose="02020603050405020304" pitchFamily="18" charset="0"/>
-                <a:cs typeface="Times New Roman" panose="02020603050405020304" pitchFamily="18" charset="0"/>
-              </a:rPr>
-              <a:t>and performance will </a:t>
-            </a:r>
-            <a:r>
-              <a:rPr lang="en-US" sz="2000" dirty="0">
-                <a:latin typeface="Times New Roman" panose="02020603050405020304" pitchFamily="18" charset="0"/>
-                <a:cs typeface="Times New Roman" panose="02020603050405020304" pitchFamily="18" charset="0"/>
-              </a:rPr>
-              <a:t>be updated.</a:t>
+              <a:t>As the tests complete, test report with results, logs, screenshots and performance will be updated.</a:t>
             </a:r>
           </a:p>
           <a:p>
@@ -6827,10 +6812,10 @@
       </p:grpSpPr>
       <p:sp>
         <p:nvSpPr>
-          <p:cNvPr id="2" name="Title 1">
+          <p:cNvPr id="4" name="Title 3">
             <a:extLst>
               <a:ext uri="{FF2B5EF4-FFF2-40B4-BE49-F238E27FC236}">
-                <a16:creationId xmlns:a16="http://schemas.microsoft.com/office/drawing/2014/main" id="{39EAF9BA-FEF0-4D00-AE41-A0B2D9C44EAE}"/>
+                <a16:creationId xmlns:a16="http://schemas.microsoft.com/office/drawing/2014/main" id="{FB089EC3-634D-421C-944C-16CBC727B6D1}"/>
               </a:ext>
             </a:extLst>
           </p:cNvPr>
@@ -6841,117 +6826,22 @@
             <p:ph type="title"/>
           </p:nvPr>
         </p:nvSpPr>
-        <p:spPr/>
+        <p:spPr>
+          <a:xfrm>
+            <a:off x="651934" y="2641600"/>
+            <a:ext cx="8596668" cy="1320800"/>
+          </a:xfrm>
+        </p:spPr>
         <p:txBody>
           <a:bodyPr/>
           <a:lstStyle/>
           <a:p>
-            <a:endParaRPr lang="en-IN"/>
-          </a:p>
-        </p:txBody>
-      </p:sp>
-      <p:sp>
-        <p:nvSpPr>
-          <p:cNvPr id="3" name="Content Placeholder 2">
-            <a:extLst>
-              <a:ext uri="{FF2B5EF4-FFF2-40B4-BE49-F238E27FC236}">
-                <a16:creationId xmlns:a16="http://schemas.microsoft.com/office/drawing/2014/main" id="{D9642804-8B42-4E2D-82A8-6851D53B0A2E}"/>
-              </a:ext>
-            </a:extLst>
-          </p:cNvPr>
-          <p:cNvSpPr>
-            <a:spLocks noGrp="1"/>
-          </p:cNvSpPr>
-          <p:nvPr>
-            <p:ph idx="1"/>
-          </p:nvPr>
-        </p:nvSpPr>
-        <p:spPr/>
-        <p:txBody>
-          <a:bodyPr/>
-          <a:lstStyle/>
-          <a:p>
-            <a:endParaRPr lang="en-IN"/>
-          </a:p>
-        </p:txBody>
-      </p:sp>
-    </p:spTree>
-    <p:extLst>
-      <p:ext uri="{BB962C8B-B14F-4D97-AF65-F5344CB8AC3E}">
-        <p14:creationId xmlns:p14="http://schemas.microsoft.com/office/powerpoint/2010/main" val="3916076661"/>
-      </p:ext>
-    </p:extLst>
-  </p:cSld>
-  <p:clrMapOvr>
-    <a:masterClrMapping/>
-  </p:clrMapOvr>
-</p:sld>
-</file>
-
-<file path=ppt/slides/slide9.xml><?xml version="1.0" encoding="utf-8"?>
-<p:sld xmlns:a="http://schemas.openxmlformats.org/drawingml/2006/main" xmlns:r="http://schemas.openxmlformats.org/officeDocument/2006/relationships" xmlns:p="http://schemas.openxmlformats.org/presentationml/2006/main">
-  <p:cSld>
-    <p:spTree>
-      <p:nvGrpSpPr>
-        <p:cNvPr id="1" name=""/>
-        <p:cNvGrpSpPr/>
-        <p:nvPr/>
-      </p:nvGrpSpPr>
-      <p:grpSpPr>
-        <a:xfrm>
-          <a:off x="0" y="0"/>
-          <a:ext cx="0" cy="0"/>
-          <a:chOff x="0" y="0"/>
-          <a:chExt cx="0" cy="0"/>
-        </a:xfrm>
-      </p:grpSpPr>
-      <p:sp>
-        <p:nvSpPr>
-          <p:cNvPr id="2" name="Title 1">
-            <a:extLst>
-              <a:ext uri="{FF2B5EF4-FFF2-40B4-BE49-F238E27FC236}">
-                <a16:creationId xmlns:a16="http://schemas.microsoft.com/office/drawing/2014/main" id="{754BFE06-47F3-4905-BA86-1D79B8CE06F9}"/>
-              </a:ext>
-            </a:extLst>
-          </p:cNvPr>
-          <p:cNvSpPr>
-            <a:spLocks noGrp="1"/>
-          </p:cNvSpPr>
-          <p:nvPr>
-            <p:ph type="title"/>
-          </p:nvPr>
-        </p:nvSpPr>
-        <p:spPr/>
-        <p:txBody>
-          <a:bodyPr/>
-          <a:lstStyle/>
-          <a:p>
-            <a:endParaRPr lang="en-IN"/>
-          </a:p>
-        </p:txBody>
-      </p:sp>
-      <p:sp>
-        <p:nvSpPr>
-          <p:cNvPr id="3" name="Content Placeholder 2">
-            <a:extLst>
-              <a:ext uri="{FF2B5EF4-FFF2-40B4-BE49-F238E27FC236}">
-                <a16:creationId xmlns:a16="http://schemas.microsoft.com/office/drawing/2014/main" id="{F770AA18-9449-4B2A-955E-6E7243B691BC}"/>
-              </a:ext>
-            </a:extLst>
-          </p:cNvPr>
-          <p:cNvSpPr>
-            <a:spLocks noGrp="1"/>
-          </p:cNvSpPr>
-          <p:nvPr>
-            <p:ph idx="1"/>
-          </p:nvPr>
-        </p:nvSpPr>
-        <p:spPr/>
-        <p:txBody>
-          <a:bodyPr/>
-          <a:lstStyle/>
-          <a:p>
-            <a:endParaRPr lang="en-IN"/>
+            <a:pPr algn="ctr"/>
+            <a:r>
+              <a:rPr lang="en-US" dirty="0"/>
+              <a:t>Thank you</a:t>
+            </a:r>
+            <a:endParaRPr lang="en-IN" dirty="0"/>
           </a:p>
         </p:txBody>
       </p:sp>
